--- a/Website_soccer_final/assets/website_bewerken.pptx
+++ b/Website_soccer_final/assets/website_bewerken.pptx
@@ -119,6 +119,11 @@
       </a:defRPr>
     </a:lvl9pPr>
   </p:defaultTextStyle>
+  <p:extLst>
+    <p:ext uri="{EFAFB233-063F-42B5-8137-9DF3F51BA10A}">
+      <p15:sldGuideLst xmlns:p15="http://schemas.microsoft.com/office/powerpoint/2012/main"/>
+    </p:ext>
+  </p:extLst>
 </p:presentation>
 </file>
 
@@ -269,7 +274,7 @@
           <a:p>
             <a:fld id="{C438CDDD-4D5E-455E-A01B-137925EF1DE7}" type="datetimeFigureOut">
               <a:rPr lang="en-GB" smtClean="0"/>
-              <a:t>25/09/2023</a:t>
+              <a:t>14/10/2023</a:t>
             </a:fld>
             <a:endParaRPr lang="en-GB"/>
           </a:p>
@@ -323,7 +328,7 @@
           <a:p>
             <a:fld id="{56E78EC2-0032-4AC3-8541-C71EBD52A23F}" type="slidenum">
               <a:rPr lang="en-GB" smtClean="0"/>
-              <a:t>‹#›</a:t>
+              <a:t>‹nr.›</a:t>
             </a:fld>
             <a:endParaRPr lang="en-GB"/>
           </a:p>
@@ -467,7 +472,7 @@
           <a:p>
             <a:fld id="{C438CDDD-4D5E-455E-A01B-137925EF1DE7}" type="datetimeFigureOut">
               <a:rPr lang="en-GB" smtClean="0"/>
-              <a:t>25/09/2023</a:t>
+              <a:t>14/10/2023</a:t>
             </a:fld>
             <a:endParaRPr lang="en-GB"/>
           </a:p>
@@ -521,7 +526,7 @@
           <a:p>
             <a:fld id="{56E78EC2-0032-4AC3-8541-C71EBD52A23F}" type="slidenum">
               <a:rPr lang="en-GB" smtClean="0"/>
-              <a:t>‹#›</a:t>
+              <a:t>‹nr.›</a:t>
             </a:fld>
             <a:endParaRPr lang="en-GB"/>
           </a:p>
@@ -675,7 +680,7 @@
           <a:p>
             <a:fld id="{C438CDDD-4D5E-455E-A01B-137925EF1DE7}" type="datetimeFigureOut">
               <a:rPr lang="en-GB" smtClean="0"/>
-              <a:t>25/09/2023</a:t>
+              <a:t>14/10/2023</a:t>
             </a:fld>
             <a:endParaRPr lang="en-GB"/>
           </a:p>
@@ -729,7 +734,7 @@
           <a:p>
             <a:fld id="{56E78EC2-0032-4AC3-8541-C71EBD52A23F}" type="slidenum">
               <a:rPr lang="en-GB" smtClean="0"/>
-              <a:t>‹#›</a:t>
+              <a:t>‹nr.›</a:t>
             </a:fld>
             <a:endParaRPr lang="en-GB"/>
           </a:p>
@@ -873,7 +878,7 @@
           <a:p>
             <a:fld id="{C438CDDD-4D5E-455E-A01B-137925EF1DE7}" type="datetimeFigureOut">
               <a:rPr lang="en-GB" smtClean="0"/>
-              <a:t>25/09/2023</a:t>
+              <a:t>14/10/2023</a:t>
             </a:fld>
             <a:endParaRPr lang="en-GB"/>
           </a:p>
@@ -927,7 +932,7 @@
           <a:p>
             <a:fld id="{56E78EC2-0032-4AC3-8541-C71EBD52A23F}" type="slidenum">
               <a:rPr lang="en-GB" smtClean="0"/>
-              <a:t>‹#›</a:t>
+              <a:t>‹nr.›</a:t>
             </a:fld>
             <a:endParaRPr lang="en-GB"/>
           </a:p>
@@ -1148,7 +1153,7 @@
           <a:p>
             <a:fld id="{C438CDDD-4D5E-455E-A01B-137925EF1DE7}" type="datetimeFigureOut">
               <a:rPr lang="en-GB" smtClean="0"/>
-              <a:t>25/09/2023</a:t>
+              <a:t>14/10/2023</a:t>
             </a:fld>
             <a:endParaRPr lang="en-GB"/>
           </a:p>
@@ -1202,7 +1207,7 @@
           <a:p>
             <a:fld id="{56E78EC2-0032-4AC3-8541-C71EBD52A23F}" type="slidenum">
               <a:rPr lang="en-GB" smtClean="0"/>
-              <a:t>‹#›</a:t>
+              <a:t>‹nr.›</a:t>
             </a:fld>
             <a:endParaRPr lang="en-GB"/>
           </a:p>
@@ -1413,7 +1418,7 @@
           <a:p>
             <a:fld id="{C438CDDD-4D5E-455E-A01B-137925EF1DE7}" type="datetimeFigureOut">
               <a:rPr lang="en-GB" smtClean="0"/>
-              <a:t>25/09/2023</a:t>
+              <a:t>14/10/2023</a:t>
             </a:fld>
             <a:endParaRPr lang="en-GB"/>
           </a:p>
@@ -1467,7 +1472,7 @@
           <a:p>
             <a:fld id="{56E78EC2-0032-4AC3-8541-C71EBD52A23F}" type="slidenum">
               <a:rPr lang="en-GB" smtClean="0"/>
-              <a:t>‹#›</a:t>
+              <a:t>‹nr.›</a:t>
             </a:fld>
             <a:endParaRPr lang="en-GB"/>
           </a:p>
@@ -1825,7 +1830,7 @@
           <a:p>
             <a:fld id="{C438CDDD-4D5E-455E-A01B-137925EF1DE7}" type="datetimeFigureOut">
               <a:rPr lang="en-GB" smtClean="0"/>
-              <a:t>25/09/2023</a:t>
+              <a:t>14/10/2023</a:t>
             </a:fld>
             <a:endParaRPr lang="en-GB"/>
           </a:p>
@@ -1879,7 +1884,7 @@
           <a:p>
             <a:fld id="{56E78EC2-0032-4AC3-8541-C71EBD52A23F}" type="slidenum">
               <a:rPr lang="en-GB" smtClean="0"/>
-              <a:t>‹#›</a:t>
+              <a:t>‹nr.›</a:t>
             </a:fld>
             <a:endParaRPr lang="en-GB"/>
           </a:p>
@@ -1966,7 +1971,7 @@
           <a:p>
             <a:fld id="{C438CDDD-4D5E-455E-A01B-137925EF1DE7}" type="datetimeFigureOut">
               <a:rPr lang="en-GB" smtClean="0"/>
-              <a:t>25/09/2023</a:t>
+              <a:t>14/10/2023</a:t>
             </a:fld>
             <a:endParaRPr lang="en-GB"/>
           </a:p>
@@ -2020,7 +2025,7 @@
           <a:p>
             <a:fld id="{56E78EC2-0032-4AC3-8541-C71EBD52A23F}" type="slidenum">
               <a:rPr lang="en-GB" smtClean="0"/>
-              <a:t>‹#›</a:t>
+              <a:t>‹nr.›</a:t>
             </a:fld>
             <a:endParaRPr lang="en-GB"/>
           </a:p>
@@ -2079,7 +2084,7 @@
           <a:p>
             <a:fld id="{C438CDDD-4D5E-455E-A01B-137925EF1DE7}" type="datetimeFigureOut">
               <a:rPr lang="en-GB" smtClean="0"/>
-              <a:t>25/09/2023</a:t>
+              <a:t>14/10/2023</a:t>
             </a:fld>
             <a:endParaRPr lang="en-GB"/>
           </a:p>
@@ -2133,7 +2138,7 @@
           <a:p>
             <a:fld id="{56E78EC2-0032-4AC3-8541-C71EBD52A23F}" type="slidenum">
               <a:rPr lang="en-GB" smtClean="0"/>
-              <a:t>‹#›</a:t>
+              <a:t>‹nr.›</a:t>
             </a:fld>
             <a:endParaRPr lang="en-GB"/>
           </a:p>
@@ -2390,7 +2395,7 @@
           <a:p>
             <a:fld id="{C438CDDD-4D5E-455E-A01B-137925EF1DE7}" type="datetimeFigureOut">
               <a:rPr lang="en-GB" smtClean="0"/>
-              <a:t>25/09/2023</a:t>
+              <a:t>14/10/2023</a:t>
             </a:fld>
             <a:endParaRPr lang="en-GB"/>
           </a:p>
@@ -2444,7 +2449,7 @@
           <a:p>
             <a:fld id="{56E78EC2-0032-4AC3-8541-C71EBD52A23F}" type="slidenum">
               <a:rPr lang="en-GB" smtClean="0"/>
-              <a:t>‹#›</a:t>
+              <a:t>‹nr.›</a:t>
             </a:fld>
             <a:endParaRPr lang="en-GB"/>
           </a:p>
@@ -2678,7 +2683,7 @@
           <a:p>
             <a:fld id="{C438CDDD-4D5E-455E-A01B-137925EF1DE7}" type="datetimeFigureOut">
               <a:rPr lang="en-GB" smtClean="0"/>
-              <a:t>25/09/2023</a:t>
+              <a:t>14/10/2023</a:t>
             </a:fld>
             <a:endParaRPr lang="en-GB"/>
           </a:p>
@@ -2732,7 +2737,7 @@
           <a:p>
             <a:fld id="{56E78EC2-0032-4AC3-8541-C71EBD52A23F}" type="slidenum">
               <a:rPr lang="en-GB" smtClean="0"/>
-              <a:t>‹#›</a:t>
+              <a:t>‹nr.›</a:t>
             </a:fld>
             <a:endParaRPr lang="en-GB"/>
           </a:p>
@@ -2919,7 +2924,7 @@
           <a:p>
             <a:fld id="{C438CDDD-4D5E-455E-A01B-137925EF1DE7}" type="datetimeFigureOut">
               <a:rPr lang="en-GB" smtClean="0"/>
-              <a:t>25/09/2023</a:t>
+              <a:t>14/10/2023</a:t>
             </a:fld>
             <a:endParaRPr lang="en-GB"/>
           </a:p>
@@ -3009,7 +3014,7 @@
           <a:p>
             <a:fld id="{56E78EC2-0032-4AC3-8541-C71EBD52A23F}" type="slidenum">
               <a:rPr lang="en-GB" smtClean="0"/>
-              <a:t>‹#›</a:t>
+              <a:t>‹nr.›</a:t>
             </a:fld>
             <a:endParaRPr lang="en-GB"/>
           </a:p>
@@ -3383,8 +3388,8 @@
         </p:nvSpPr>
         <p:spPr>
           <a:xfrm>
-            <a:off x="1166327" y="5409036"/>
-            <a:ext cx="7165910" cy="369332"/>
+            <a:off x="1166327" y="5443639"/>
+            <a:ext cx="7165910" cy="646331"/>
           </a:xfrm>
           <a:prstGeom prst="rect">
             <a:avLst/>
@@ -3398,9 +3403,15 @@
           <a:lstStyle/>
           <a:p>
             <a:r>
-              <a:rPr lang="en-GB" dirty="0"/>
+              <a:rPr lang="en-GB" dirty="0">
+                <a:hlinkClick r:id="rId2"/>
+              </a:rPr>
               <a:t>https://vimeo.com/868019623/62712247a4?share=copy</a:t>
             </a:r>
+            <a:endParaRPr lang="en-GB" dirty="0"/>
+          </a:p>
+          <a:p>
+            <a:endParaRPr lang="en-GB" dirty="0"/>
           </a:p>
         </p:txBody>
       </p:sp>
